--- a/d1.pptx
+++ b/d1.pptx
@@ -5,7 +5,7 @@
     <p:sldMasterId id="2147483744" r:id="rId1"/>
   </p:sldMasterIdLst>
   <p:notesMasterIdLst>
-    <p:notesMasterId r:id="rId10"/>
+    <p:notesMasterId r:id="rId11"/>
   </p:notesMasterIdLst>
   <p:sldIdLst>
     <p:sldId id="256" r:id="rId2"/>
@@ -16,6 +16,7 @@
     <p:sldId id="259" r:id="rId7"/>
     <p:sldId id="260" r:id="rId8"/>
     <p:sldId id="364" r:id="rId9"/>
+    <p:sldId id="367" r:id="rId10"/>
   </p:sldIdLst>
   <p:sldSz cx="12192000" cy="6858000"/>
   <p:notesSz cx="6858000" cy="9144000"/>
@@ -7471,6 +7472,146 @@
 </p:sld>
 </file>
 
+<file path=ppt/slides/slide9.xml><?xml version="1.0" encoding="utf-8"?>
+<p:sld xmlns:a="http://schemas.openxmlformats.org/drawingml/2006/main" xmlns:r="http://schemas.openxmlformats.org/officeDocument/2006/relationships" xmlns:p="http://schemas.openxmlformats.org/presentationml/2006/main">
+  <p:cSld>
+    <p:spTree>
+      <p:nvGrpSpPr>
+        <p:cNvPr id="1" name=""/>
+        <p:cNvGrpSpPr/>
+        <p:nvPr/>
+      </p:nvGrpSpPr>
+      <p:grpSpPr>
+        <a:xfrm>
+          <a:off x="0" y="0"/>
+          <a:ext cx="0" cy="0"/>
+          <a:chOff x="0" y="0"/>
+          <a:chExt cx="0" cy="0"/>
+        </a:xfrm>
+      </p:grpSpPr>
+      <p:sp>
+        <p:nvSpPr>
+          <p:cNvPr id="2" name="Título 1">
+            <a:extLst>
+              <a:ext uri="{FF2B5EF4-FFF2-40B4-BE49-F238E27FC236}">
+                <a16:creationId xmlns:a16="http://schemas.microsoft.com/office/drawing/2014/main" id="{8EF54746-4148-4B4E-8EC1-6E9BC0C80BA9}"/>
+              </a:ext>
+            </a:extLst>
+          </p:cNvPr>
+          <p:cNvSpPr>
+            <a:spLocks noGrp="1"/>
+          </p:cNvSpPr>
+          <p:nvPr>
+            <p:ph type="title"/>
+          </p:nvPr>
+        </p:nvSpPr>
+        <p:spPr/>
+        <p:txBody>
+          <a:bodyPr/>
+          <a:lstStyle/>
+          <a:p>
+            <a:r>
+              <a:rPr lang="es-MX" dirty="0"/>
+              <a:t>LAPOP</a:t>
+            </a:r>
+          </a:p>
+        </p:txBody>
+      </p:sp>
+      <p:sp>
+        <p:nvSpPr>
+          <p:cNvPr id="3" name="Marcador de contenido 2">
+            <a:extLst>
+              <a:ext uri="{FF2B5EF4-FFF2-40B4-BE49-F238E27FC236}">
+                <a16:creationId xmlns:a16="http://schemas.microsoft.com/office/drawing/2014/main" id="{057D1DC5-ECD8-4389-9AC1-40FBC49E1B02}"/>
+              </a:ext>
+            </a:extLst>
+          </p:cNvPr>
+          <p:cNvSpPr>
+            <a:spLocks noGrp="1"/>
+          </p:cNvSpPr>
+          <p:nvPr>
+            <p:ph idx="1"/>
+          </p:nvPr>
+        </p:nvSpPr>
+        <p:spPr/>
+        <p:txBody>
+          <a:bodyPr/>
+          <a:lstStyle/>
+          <a:p>
+            <a:r>
+              <a:rPr lang="es-MX" dirty="0">
+                <a:hlinkClick r:id="rId2"/>
+              </a:rPr>
+              <a:t>Bases de datos | LAPOP (</a:t>
+            </a:r>
+            <a:r>
+              <a:rPr lang="es-MX" dirty="0" err="1">
+                <a:hlinkClick r:id="rId2"/>
+              </a:rPr>
+              <a:t>Espanol</a:t>
+            </a:r>
+            <a:r>
+              <a:rPr lang="es-MX" dirty="0">
+                <a:hlinkClick r:id="rId2"/>
+              </a:rPr>
+              <a:t>) | Vanderbilt </a:t>
+            </a:r>
+            <a:r>
+              <a:rPr lang="es-MX" dirty="0" err="1">
+                <a:hlinkClick r:id="rId2"/>
+              </a:rPr>
+              <a:t>University</a:t>
+            </a:r>
+            <a:endParaRPr lang="es-MX" dirty="0"/>
+          </a:p>
+          <a:p>
+            <a:r>
+              <a:rPr lang="es-MX" dirty="0">
+                <a:hlinkClick r:id="rId3"/>
+              </a:rPr>
+              <a:t>LAPOP </a:t>
+            </a:r>
+            <a:r>
+              <a:rPr lang="es-MX" dirty="0" err="1">
+                <a:hlinkClick r:id="rId3"/>
+              </a:rPr>
+              <a:t>Datasets</a:t>
+            </a:r>
+            <a:r>
+              <a:rPr lang="es-MX" dirty="0">
+                <a:hlinkClick r:id="rId3"/>
+              </a:rPr>
+              <a:t> - </a:t>
+            </a:r>
+            <a:r>
+              <a:rPr lang="es-MX" dirty="0" err="1">
+                <a:hlinkClick r:id="rId3"/>
+              </a:rPr>
+              <a:t>Login</a:t>
+            </a:r>
+            <a:r>
+              <a:rPr lang="es-MX" dirty="0">
+                <a:hlinkClick r:id="rId3"/>
+              </a:rPr>
+              <a:t> (americasbarometer.org)</a:t>
+            </a:r>
+            <a:endParaRPr lang="es-MX" dirty="0"/>
+          </a:p>
+        </p:txBody>
+      </p:sp>
+    </p:spTree>
+    <p:extLst>
+      <p:ext uri="{BB962C8B-B14F-4D97-AF65-F5344CB8AC3E}">
+        <p14:creationId xmlns:p14="http://schemas.microsoft.com/office/powerpoint/2010/main" val="2471858596"/>
+      </p:ext>
+    </p:extLst>
+  </p:cSld>
+  <p:clrMapOvr>
+    <a:masterClrMapping/>
+  </p:clrMapOvr>
+</p:sld>
+</file>
+
 <file path=ppt/theme/theme1.xml><?xml version="1.0" encoding="utf-8"?>
 <a:theme xmlns:a="http://schemas.openxmlformats.org/drawingml/2006/main" name="Marco">
   <a:themeElements>

--- a/d1.pptx
+++ b/d1.pptx
@@ -5,7 +5,7 @@
     <p:sldMasterId id="2147483744" r:id="rId1"/>
   </p:sldMasterIdLst>
   <p:notesMasterIdLst>
-    <p:notesMasterId r:id="rId11"/>
+    <p:notesMasterId r:id="rId12"/>
   </p:notesMasterIdLst>
   <p:sldIdLst>
     <p:sldId id="256" r:id="rId2"/>
@@ -16,7 +16,8 @@
     <p:sldId id="259" r:id="rId7"/>
     <p:sldId id="260" r:id="rId8"/>
     <p:sldId id="364" r:id="rId9"/>
-    <p:sldId id="367" r:id="rId10"/>
+    <p:sldId id="588" r:id="rId10"/>
+    <p:sldId id="367" r:id="rId11"/>
   </p:sldIdLst>
   <p:sldSz cx="12192000" cy="6858000"/>
   <p:notesSz cx="6858000" cy="9144000"/>
@@ -6763,6 +6764,146 @@
 </p:sld>
 </file>
 
+<file path=ppt/slides/slide10.xml><?xml version="1.0" encoding="utf-8"?>
+<p:sld xmlns:a="http://schemas.openxmlformats.org/drawingml/2006/main" xmlns:r="http://schemas.openxmlformats.org/officeDocument/2006/relationships" xmlns:p="http://schemas.openxmlformats.org/presentationml/2006/main">
+  <p:cSld>
+    <p:spTree>
+      <p:nvGrpSpPr>
+        <p:cNvPr id="1" name=""/>
+        <p:cNvGrpSpPr/>
+        <p:nvPr/>
+      </p:nvGrpSpPr>
+      <p:grpSpPr>
+        <a:xfrm>
+          <a:off x="0" y="0"/>
+          <a:ext cx="0" cy="0"/>
+          <a:chOff x="0" y="0"/>
+          <a:chExt cx="0" cy="0"/>
+        </a:xfrm>
+      </p:grpSpPr>
+      <p:sp>
+        <p:nvSpPr>
+          <p:cNvPr id="2" name="Título 1">
+            <a:extLst>
+              <a:ext uri="{FF2B5EF4-FFF2-40B4-BE49-F238E27FC236}">
+                <a16:creationId xmlns:a16="http://schemas.microsoft.com/office/drawing/2014/main" id="{8EF54746-4148-4B4E-8EC1-6E9BC0C80BA9}"/>
+              </a:ext>
+            </a:extLst>
+          </p:cNvPr>
+          <p:cNvSpPr>
+            <a:spLocks noGrp="1"/>
+          </p:cNvSpPr>
+          <p:nvPr>
+            <p:ph type="title"/>
+          </p:nvPr>
+        </p:nvSpPr>
+        <p:spPr/>
+        <p:txBody>
+          <a:bodyPr/>
+          <a:lstStyle/>
+          <a:p>
+            <a:r>
+              <a:rPr lang="es-MX" dirty="0"/>
+              <a:t>LAPOP</a:t>
+            </a:r>
+          </a:p>
+        </p:txBody>
+      </p:sp>
+      <p:sp>
+        <p:nvSpPr>
+          <p:cNvPr id="3" name="Marcador de contenido 2">
+            <a:extLst>
+              <a:ext uri="{FF2B5EF4-FFF2-40B4-BE49-F238E27FC236}">
+                <a16:creationId xmlns:a16="http://schemas.microsoft.com/office/drawing/2014/main" id="{057D1DC5-ECD8-4389-9AC1-40FBC49E1B02}"/>
+              </a:ext>
+            </a:extLst>
+          </p:cNvPr>
+          <p:cNvSpPr>
+            <a:spLocks noGrp="1"/>
+          </p:cNvSpPr>
+          <p:nvPr>
+            <p:ph idx="1"/>
+          </p:nvPr>
+        </p:nvSpPr>
+        <p:spPr/>
+        <p:txBody>
+          <a:bodyPr/>
+          <a:lstStyle/>
+          <a:p>
+            <a:r>
+              <a:rPr lang="es-MX" dirty="0">
+                <a:hlinkClick r:id="rId2"/>
+              </a:rPr>
+              <a:t>Bases de datos | LAPOP (</a:t>
+            </a:r>
+            <a:r>
+              <a:rPr lang="es-MX" dirty="0" err="1">
+                <a:hlinkClick r:id="rId2"/>
+              </a:rPr>
+              <a:t>Espanol</a:t>
+            </a:r>
+            <a:r>
+              <a:rPr lang="es-MX" dirty="0">
+                <a:hlinkClick r:id="rId2"/>
+              </a:rPr>
+              <a:t>) | Vanderbilt </a:t>
+            </a:r>
+            <a:r>
+              <a:rPr lang="es-MX" dirty="0" err="1">
+                <a:hlinkClick r:id="rId2"/>
+              </a:rPr>
+              <a:t>University</a:t>
+            </a:r>
+            <a:endParaRPr lang="es-MX" dirty="0"/>
+          </a:p>
+          <a:p>
+            <a:r>
+              <a:rPr lang="es-MX" dirty="0">
+                <a:hlinkClick r:id="rId3"/>
+              </a:rPr>
+              <a:t>LAPOP </a:t>
+            </a:r>
+            <a:r>
+              <a:rPr lang="es-MX" dirty="0" err="1">
+                <a:hlinkClick r:id="rId3"/>
+              </a:rPr>
+              <a:t>Datasets</a:t>
+            </a:r>
+            <a:r>
+              <a:rPr lang="es-MX" dirty="0">
+                <a:hlinkClick r:id="rId3"/>
+              </a:rPr>
+              <a:t> - </a:t>
+            </a:r>
+            <a:r>
+              <a:rPr lang="es-MX" dirty="0" err="1">
+                <a:hlinkClick r:id="rId3"/>
+              </a:rPr>
+              <a:t>Login</a:t>
+            </a:r>
+            <a:r>
+              <a:rPr lang="es-MX" dirty="0">
+                <a:hlinkClick r:id="rId3"/>
+              </a:rPr>
+              <a:t> (americasbarometer.org)</a:t>
+            </a:r>
+            <a:endParaRPr lang="es-MX" dirty="0"/>
+          </a:p>
+        </p:txBody>
+      </p:sp>
+    </p:spTree>
+    <p:extLst>
+      <p:ext uri="{BB962C8B-B14F-4D97-AF65-F5344CB8AC3E}">
+        <p14:creationId xmlns:p14="http://schemas.microsoft.com/office/powerpoint/2010/main" val="2471858596"/>
+      </p:ext>
+    </p:extLst>
+  </p:cSld>
+  <p:clrMapOvr>
+    <a:masterClrMapping/>
+  </p:clrMapOvr>
+</p:sld>
+</file>
+
 <file path=ppt/slides/slide2.xml><?xml version="1.0" encoding="utf-8"?>
 <p:sld xmlns:a="http://schemas.openxmlformats.org/drawingml/2006/main" xmlns:r="http://schemas.openxmlformats.org/officeDocument/2006/relationships" xmlns:p="http://schemas.openxmlformats.org/presentationml/2006/main">
   <p:cSld>
@@ -7494,7 +7635,7 @@
           <p:cNvPr id="2" name="Título 1">
             <a:extLst>
               <a:ext uri="{FF2B5EF4-FFF2-40B4-BE49-F238E27FC236}">
-                <a16:creationId xmlns:a16="http://schemas.microsoft.com/office/drawing/2014/main" id="{8EF54746-4148-4B4E-8EC1-6E9BC0C80BA9}"/>
+                <a16:creationId xmlns:a16="http://schemas.microsoft.com/office/drawing/2014/main" id="{0E688274-E144-449C-A55E-38ADB7159C9B}"/>
               </a:ext>
             </a:extLst>
           </p:cNvPr>
@@ -7512,97 +7653,108 @@
           <a:p>
             <a:r>
               <a:rPr lang="es-MX" dirty="0"/>
-              <a:t>LAPOP</a:t>
+              <a:t>Promover la diversidad de género en el uso de datos</a:t>
             </a:r>
           </a:p>
         </p:txBody>
       </p:sp>
-      <p:sp>
-        <p:nvSpPr>
-          <p:cNvPr id="3" name="Marcador de contenido 2">
+      <p:pic>
+        <p:nvPicPr>
+          <p:cNvPr id="1026" name="Picture 2" descr="No hay ninguna descripción de la foto disponible.">
             <a:extLst>
               <a:ext uri="{FF2B5EF4-FFF2-40B4-BE49-F238E27FC236}">
-                <a16:creationId xmlns:a16="http://schemas.microsoft.com/office/drawing/2014/main" id="{057D1DC5-ECD8-4389-9AC1-40FBC49E1B02}"/>
+                <a16:creationId xmlns:a16="http://schemas.microsoft.com/office/drawing/2014/main" id="{DE726CCD-9ACD-4974-881F-D3740F212BF0}"/>
               </a:ext>
             </a:extLst>
           </p:cNvPr>
-          <p:cNvSpPr>
-            <a:spLocks noGrp="1"/>
-          </p:cNvSpPr>
+          <p:cNvPicPr>
+            <a:picLocks noGrp="1" noChangeAspect="1" noChangeArrowheads="1"/>
+          </p:cNvPicPr>
           <p:nvPr>
             <p:ph idx="1"/>
           </p:nvPr>
-        </p:nvSpPr>
-        <p:spPr/>
-        <p:txBody>
-          <a:bodyPr/>
+        </p:nvPicPr>
+        <p:blipFill>
+          <a:blip r:embed="rId2">
+            <a:extLst>
+              <a:ext uri="{28A0092B-C50C-407E-A947-70E740481C1C}">
+                <a14:useLocalDpi xmlns:a14="http://schemas.microsoft.com/office/drawing/2010/main" val="0"/>
+              </a:ext>
+            </a:extLst>
+          </a:blip>
+          <a:srcRect/>
+          <a:stretch>
+            <a:fillRect/>
+          </a:stretch>
+        </p:blipFill>
+        <p:spPr bwMode="auto">
+          <a:xfrm>
+            <a:off x="6612051" y="384549"/>
+            <a:ext cx="4759099" cy="4759099"/>
+          </a:xfrm>
+          <a:prstGeom prst="rect">
+            <a:avLst/>
+          </a:prstGeom>
+          <a:noFill/>
+          <a:extLst>
+            <a:ext uri="{909E8E84-426E-40DD-AFC4-6F175D3DCCD1}">
+              <a14:hiddenFill xmlns:a14="http://schemas.microsoft.com/office/drawing/2010/main">
+                <a:solidFill>
+                  <a:srgbClr val="FFFFFF"/>
+                </a:solidFill>
+              </a14:hiddenFill>
+            </a:ext>
+          </a:extLst>
+        </p:spPr>
+      </p:pic>
+      <p:sp>
+        <p:nvSpPr>
+          <p:cNvPr id="3" name="CuadroTexto 2">
+            <a:extLst>
+              <a:ext uri="{FF2B5EF4-FFF2-40B4-BE49-F238E27FC236}">
+                <a16:creationId xmlns:a16="http://schemas.microsoft.com/office/drawing/2014/main" id="{119F752D-0A2E-4471-8E57-FC7AF06F4CEF}"/>
+              </a:ext>
+            </a:extLst>
+          </p:cNvPr>
+          <p:cNvSpPr txBox="1"/>
+          <p:nvPr/>
+        </p:nvSpPr>
+        <p:spPr>
+          <a:xfrm>
+            <a:off x="4142464" y="5143648"/>
+            <a:ext cx="5482591" cy="1200329"/>
+          </a:xfrm>
+          <a:prstGeom prst="rect">
+            <a:avLst/>
+          </a:prstGeom>
+          <a:noFill/>
+        </p:spPr>
+        <p:txBody>
+          <a:bodyPr wrap="none" rtlCol="0">
+            <a:spAutoFit/>
+          </a:bodyPr>
           <a:lstStyle/>
           <a:p>
             <a:r>
-              <a:rPr lang="es-MX" dirty="0">
-                <a:hlinkClick r:id="rId2"/>
-              </a:rPr>
-              <a:t>Bases de datos | LAPOP (</a:t>
+              <a:rPr lang="es-MX" sz="2400" dirty="0"/>
+              <a:t>Busquen el capítulo que tengan más cerca</a:t>
             </a:r>
+          </a:p>
+          <a:p>
+            <a:endParaRPr lang="es-MX" sz="2400" dirty="0"/>
+          </a:p>
+          <a:p>
             <a:r>
-              <a:rPr lang="es-MX" dirty="0" err="1">
-                <a:hlinkClick r:id="rId2"/>
-              </a:rPr>
-              <a:t>Espanol</a:t>
+              <a:rPr lang="es-MX" sz="2400" dirty="0"/>
+              <a:t>Múltiples actividades hoy virtuales</a:t>
             </a:r>
-            <a:r>
-              <a:rPr lang="es-MX" dirty="0">
-                <a:hlinkClick r:id="rId2"/>
-              </a:rPr>
-              <a:t>) | Vanderbilt </a:t>
-            </a:r>
-            <a:r>
-              <a:rPr lang="es-MX" dirty="0" err="1">
-                <a:hlinkClick r:id="rId2"/>
-              </a:rPr>
-              <a:t>University</a:t>
-            </a:r>
-            <a:endParaRPr lang="es-MX" dirty="0"/>
-          </a:p>
-          <a:p>
-            <a:r>
-              <a:rPr lang="es-MX" dirty="0">
-                <a:hlinkClick r:id="rId3"/>
-              </a:rPr>
-              <a:t>LAPOP </a:t>
-            </a:r>
-            <a:r>
-              <a:rPr lang="es-MX" dirty="0" err="1">
-                <a:hlinkClick r:id="rId3"/>
-              </a:rPr>
-              <a:t>Datasets</a:t>
-            </a:r>
-            <a:r>
-              <a:rPr lang="es-MX" dirty="0">
-                <a:hlinkClick r:id="rId3"/>
-              </a:rPr>
-              <a:t> - </a:t>
-            </a:r>
-            <a:r>
-              <a:rPr lang="es-MX" dirty="0" err="1">
-                <a:hlinkClick r:id="rId3"/>
-              </a:rPr>
-              <a:t>Login</a:t>
-            </a:r>
-            <a:r>
-              <a:rPr lang="es-MX" dirty="0">
-                <a:hlinkClick r:id="rId3"/>
-              </a:rPr>
-              <a:t> (americasbarometer.org)</a:t>
-            </a:r>
-            <a:endParaRPr lang="es-MX" dirty="0"/>
           </a:p>
         </p:txBody>
       </p:sp>
     </p:spTree>
     <p:extLst>
       <p:ext uri="{BB962C8B-B14F-4D97-AF65-F5344CB8AC3E}">
-        <p14:creationId xmlns:p14="http://schemas.microsoft.com/office/powerpoint/2010/main" val="2471858596"/>
+        <p14:creationId xmlns:p14="http://schemas.microsoft.com/office/powerpoint/2010/main" val="4075183785"/>
       </p:ext>
     </p:extLst>
   </p:cSld>
